--- a/database/5강 SQL 테이블 생성 및 삭제.pptx
+++ b/database/5강 SQL 테이블 생성 및 삭제.pptx
@@ -12903,6 +12903,49 @@
             <a:r>
               <a:rPr lang="ko-KR" altLang="en-US" sz="2400" dirty="0" err="1" smtClean="0"/>
               <a:t>생성하시오</a:t>
+            </a:r>
+            <a:r>
+              <a:rPr lang="en-US" altLang="ko-KR" sz="2400" dirty="0" smtClean="0"/>
+              <a:t>.</a:t>
+            </a:r>
+          </a:p>
+          <a:p>
+            <a:pPr marL="0" indent="0">
+              <a:buNone/>
+            </a:pPr>
+            <a:endParaRPr lang="en-US" altLang="ko-KR" sz="2400" dirty="0" smtClean="0"/>
+          </a:p>
+          <a:p>
+            <a:pPr marL="0" indent="0">
+              <a:buNone/>
+            </a:pPr>
+            <a:r>
+              <a:rPr lang="ko-KR" altLang="en-US" sz="2400" dirty="0" smtClean="0"/>
+              <a:t>추가 </a:t>
+            </a:r>
+            <a:r>
+              <a:rPr lang="ko-KR" altLang="en-US" sz="2400" dirty="0"/>
+              <a:t>문제 </a:t>
+            </a:r>
+            <a:r>
+              <a:rPr lang="en-US" altLang="ko-KR" sz="2400" dirty="0" smtClean="0"/>
+              <a:t>5. </a:t>
+            </a:r>
+            <a:r>
+              <a:rPr lang="en-US" altLang="ko-KR" sz="2400" dirty="0" err="1" smtClean="0"/>
+              <a:t>test_user</a:t>
+            </a:r>
+            <a:r>
+              <a:rPr lang="ko-KR" altLang="en-US" sz="2400" dirty="0" smtClean="0"/>
+              <a:t>에 </a:t>
+            </a:r>
+            <a:r>
+              <a:rPr lang="en-US" altLang="ko-KR" sz="2400" dirty="0" smtClean="0"/>
+              <a:t>_</a:t>
+            </a:r>
+            <a:r>
+              <a:rPr lang="ko-KR" altLang="en-US" sz="2400" dirty="0" smtClean="0"/>
+              <a:t>로 시작하는 테이블을 생성 하시오</a:t>
             </a:r>
             <a:r>
               <a:rPr lang="en-US" altLang="ko-KR" sz="2400" dirty="0" smtClean="0"/>
